--- a/2025_Б_ККП_ПЗПІ-22-7_Колесник_О_А/2025_Б_ПІ_ПЗПІ-22-7_Колесник_О_А.pptx
+++ b/2025_Б_ККП_ПЗПІ-22-7_Колесник_О_А/2025_Б_ПІ_ПЗПІ-22-7_Колесник_О_А.pptx
@@ -268,7 +268,7 @@
   </p:defaultTextStyle>
   <p:extLst>
     <p:ext uri="{EFAFB233-063F-42B5-8137-9DF3F51BA10A}">
-      <p15:sldGuideLst xmlns:p15="http://schemas.microsoft.com/office/powerpoint/2012/main" xmlns="">
+      <p15:sldGuideLst xmlns="" xmlns:p15="http://schemas.microsoft.com/office/powerpoint/2012/main">
         <p15:guide id="1" orient="horz" pos="1620">
           <p15:clr>
             <a:srgbClr val="747775"/>
@@ -494,7 +494,7 @@
     </p:spTree>
     <p:extLst>
       <p:ext uri="{BB962C8B-B14F-4D97-AF65-F5344CB8AC3E}">
-        <p14:creationId xmlns:p14="http://schemas.microsoft.com/office/powerpoint/2010/main" xmlns="" val="1710137482"/>
+        <p14:creationId xmlns="" xmlns:p14="http://schemas.microsoft.com/office/powerpoint/2010/main" val="1710137482"/>
       </p:ext>
     </p:extLst>
   </p:cSld>
@@ -934,7 +934,7 @@
     </p:spTree>
     <p:extLst>
       <p:ext uri="{BB962C8B-B14F-4D97-AF65-F5344CB8AC3E}">
-        <p14:creationId xmlns:p14="http://schemas.microsoft.com/office/powerpoint/2010/main" xmlns="" val="1011542938"/>
+        <p14:creationId xmlns="" xmlns:p14="http://schemas.microsoft.com/office/powerpoint/2010/main" val="1011542938"/>
       </p:ext>
     </p:extLst>
   </p:cSld>
@@ -952,7 +952,7 @@
         <p:cNvPr id="1" name="Shape 116">
           <a:extLst>
             <a:ext uri="{FF2B5EF4-FFF2-40B4-BE49-F238E27FC236}">
-              <a16:creationId xmlns:a16="http://schemas.microsoft.com/office/drawing/2014/main" xmlns="" id="{0E04A391-C779-D84B-910F-9DC032E7A2A1}"/>
+              <a16:creationId xmlns="" xmlns:a16="http://schemas.microsoft.com/office/drawing/2014/main" id="{0E04A391-C779-D84B-910F-9DC032E7A2A1}"/>
             </a:ext>
           </a:extLst>
         </p:cNvPr>
@@ -972,7 +972,7 @@
           <p:cNvPr id="117" name="Google Shape;117;g2e16b2adad1_0_35:notes">
             <a:extLst>
               <a:ext uri="{FF2B5EF4-FFF2-40B4-BE49-F238E27FC236}">
-                <a16:creationId xmlns:a16="http://schemas.microsoft.com/office/drawing/2014/main" xmlns="" id="{DB1AF36A-281E-F3F7-0043-A2E0AF4ABD87}"/>
+                <a16:creationId xmlns="" xmlns:a16="http://schemas.microsoft.com/office/drawing/2014/main" id="{DB1AF36A-281E-F3F7-0043-A2E0AF4ABD87}"/>
               </a:ext>
             </a:extLst>
           </p:cNvPr>
@@ -1019,7 +1019,7 @@
           <p:cNvPr id="118" name="Google Shape;118;g2e16b2adad1_0_35:notes">
             <a:extLst>
               <a:ext uri="{FF2B5EF4-FFF2-40B4-BE49-F238E27FC236}">
-                <a16:creationId xmlns:a16="http://schemas.microsoft.com/office/drawing/2014/main" xmlns="" id="{90C152B3-D119-D930-98F4-6CFFDCE288EA}"/>
+                <a16:creationId xmlns="" xmlns:a16="http://schemas.microsoft.com/office/drawing/2014/main" id="{90C152B3-D119-D930-98F4-6CFFDCE288EA}"/>
               </a:ext>
             </a:extLst>
           </p:cNvPr>
@@ -1061,7 +1061,7 @@
     </p:spTree>
     <p:extLst>
       <p:ext uri="{BB962C8B-B14F-4D97-AF65-F5344CB8AC3E}">
-        <p14:creationId xmlns:p14="http://schemas.microsoft.com/office/powerpoint/2010/main" xmlns="" val="1692718903"/>
+        <p14:creationId xmlns="" xmlns:p14="http://schemas.microsoft.com/office/powerpoint/2010/main" val="1692718903"/>
       </p:ext>
     </p:extLst>
   </p:cSld>
@@ -2002,7 +2002,7 @@
     </p:spTree>
     <p:extLst>
       <p:ext uri="{BB962C8B-B14F-4D97-AF65-F5344CB8AC3E}">
-        <p14:creationId xmlns:p14="http://schemas.microsoft.com/office/powerpoint/2010/main" xmlns="" val="36507888"/>
+        <p14:creationId xmlns="" xmlns:p14="http://schemas.microsoft.com/office/powerpoint/2010/main" val="36507888"/>
       </p:ext>
     </p:extLst>
   </p:cSld>
@@ -7853,8 +7853,8 @@
         </p:nvSpPr>
         <p:spPr>
           <a:xfrm>
-            <a:off x="2779693" y="1143272"/>
-            <a:ext cx="3281100" cy="439200"/>
+            <a:off x="2823410" y="826169"/>
+            <a:ext cx="3834063" cy="844535"/>
           </a:xfrm>
           <a:prstGeom prst="rect">
             <a:avLst/>
@@ -7866,27 +7866,66 @@
           </a:bodyPr>
           <a:lstStyle/>
           <a:p>
-            <a:pPr marL="0" lvl="0" indent="0" algn="l" rtl="0">
-              <a:spcBef>
-                <a:spcPts val="0"/>
-              </a:spcBef>
-              <a:spcAft>
-                <a:spcPts val="0"/>
-              </a:spcAft>
-              <a:buNone/>
-            </a:pPr>
-            <a:r>
-              <a:rPr lang="uk" sz="2400" dirty="0" smtClean="0"/>
+            <a:pPr lvl="0" algn="l"/>
+            <a:r>
+              <a:rPr lang="uk" sz="2400" dirty="0" smtClean="0">
+                <a:latin typeface="Times New Roman" pitchFamily="18" charset="0"/>
+                <a:cs typeface="Times New Roman" pitchFamily="18" charset="0"/>
+              </a:rPr>
               <a:t>Веб-додаток для</a:t>
             </a:r>
             <a:br>
-              <a:rPr lang="uk" sz="2400" dirty="0" smtClean="0"/>
+              <a:rPr lang="uk" sz="2400" dirty="0" smtClean="0">
+                <a:latin typeface="Times New Roman" pitchFamily="18" charset="0"/>
+                <a:cs typeface="Times New Roman" pitchFamily="18" charset="0"/>
+              </a:rPr>
             </a:br>
             <a:r>
-              <a:rPr lang="uk" sz="2400" dirty="0" smtClean="0"/>
-              <a:t>пошуку друзів</a:t>
-            </a:r>
-            <a:endParaRPr sz="2400" dirty="0"/>
+              <a:rPr lang="uk" sz="2400" dirty="0" smtClean="0">
+                <a:latin typeface="Times New Roman" pitchFamily="18" charset="0"/>
+                <a:cs typeface="Times New Roman" pitchFamily="18" charset="0"/>
+              </a:rPr>
+              <a:t>пошуку</a:t>
+            </a:r>
+            <a:r>
+              <a:rPr lang="uk" sz="2400" dirty="0" smtClean="0">
+                <a:latin typeface="Times New Roman" pitchFamily="18" charset="0"/>
+                <a:cs typeface="Times New Roman" pitchFamily="18" charset="0"/>
+              </a:rPr>
+              <a:t>у</a:t>
+            </a:r>
+            <a:r>
+              <a:rPr lang="uk" sz="2400" dirty="0" smtClean="0">
+                <a:latin typeface="Times New Roman" pitchFamily="18" charset="0"/>
+                <a:cs typeface="Times New Roman" pitchFamily="18" charset="0"/>
+              </a:rPr>
+              <a:t> </a:t>
+            </a:r>
+            <a:r>
+              <a:rPr lang="uk" sz="2400" dirty="0" smtClean="0">
+                <a:latin typeface="Times New Roman" pitchFamily="18" charset="0"/>
+                <a:cs typeface="Times New Roman" pitchFamily="18" charset="0"/>
+              </a:rPr>
+              <a:t>друзів</a:t>
+            </a:r>
+            <a:r>
+              <a:rPr lang="en-US" sz="2400" dirty="0" smtClean="0">
+                <a:latin typeface="Times New Roman" pitchFamily="18" charset="0"/>
+                <a:cs typeface="Times New Roman" pitchFamily="18" charset="0"/>
+              </a:rPr>
+              <a:t>. </a:t>
+            </a:r>
+            <a:r>
+              <a:rPr lang="en-US" sz="2400" dirty="0" smtClean="0">
+                <a:latin typeface="Times New Roman" pitchFamily="18" charset="0"/>
+                <a:cs typeface="Times New Roman" pitchFamily="18" charset="0"/>
+              </a:rPr>
+              <a:t>Beck-End</a:t>
+            </a:r>
+            <a:endParaRPr lang="uk" sz="2400" dirty="0">
+              <a:latin typeface="Times New Roman" pitchFamily="18" charset="0"/>
+              <a:cs typeface="Times New Roman" pitchFamily="18" charset="0"/>
+            </a:endParaRPr>
           </a:p>
         </p:txBody>
       </p:sp>
@@ -8245,7 +8284,7 @@
           <p:cNvPr id="2" name="TextBox 1">
             <a:extLst>
               <a:ext uri="{FF2B5EF4-FFF2-40B4-BE49-F238E27FC236}">
-                <a16:creationId xmlns:a16="http://schemas.microsoft.com/office/drawing/2014/main" xmlns="" id="{68800C66-AABB-EFA8-12F4-0C56A1243712}"/>
+                <a16:creationId xmlns="" xmlns:a16="http://schemas.microsoft.com/office/drawing/2014/main" id="{68800C66-AABB-EFA8-12F4-0C56A1243712}"/>
               </a:ext>
             </a:extLst>
           </p:cNvPr>
@@ -8282,7 +8321,7 @@
           <p:cNvPr id="7" name="TextBox 6">
             <a:extLst>
               <a:ext uri="{FF2B5EF4-FFF2-40B4-BE49-F238E27FC236}">
-                <a16:creationId xmlns:a16="http://schemas.microsoft.com/office/drawing/2014/main" xmlns="" id="{BC0D658E-E8E1-7CF3-9D36-5BCA521BE26B}"/>
+                <a16:creationId xmlns="" xmlns:a16="http://schemas.microsoft.com/office/drawing/2014/main" id="{BC0D658E-E8E1-7CF3-9D36-5BCA521BE26B}"/>
               </a:ext>
             </a:extLst>
           </p:cNvPr>
@@ -8396,19 +8435,7 @@
                 <a:cs typeface="Open Sans"/>
                 <a:sym typeface="Open Sans"/>
               </a:rPr>
-              <a:t>для скидання парол</a:t>
-            </a:r>
-            <a:r>
-              <a:rPr lang="uk-UA" sz="1700" dirty="0" smtClean="0">
-                <a:solidFill>
-                  <a:srgbClr val="0D0D0D"/>
-                </a:solidFill>
-                <a:latin typeface="Open Sans"/>
-                <a:ea typeface="Open Sans"/>
-                <a:cs typeface="Open Sans"/>
-                <a:sym typeface="Open Sans"/>
-              </a:rPr>
-              <a:t>ю</a:t>
+              <a:t>для скидання паролю</a:t>
             </a:r>
             <a:endParaRPr lang="uk-UA" sz="1700" dirty="0">
               <a:solidFill>
@@ -8461,7 +8488,7 @@
     </p:spTree>
     <p:extLst>
       <p:ext uri="{BB962C8B-B14F-4D97-AF65-F5344CB8AC3E}">
-        <p14:creationId xmlns:p14="http://schemas.microsoft.com/office/powerpoint/2010/main" xmlns="" val="2005947659"/>
+        <p14:creationId xmlns="" xmlns:p14="http://schemas.microsoft.com/office/powerpoint/2010/main" val="2005947659"/>
       </p:ext>
     </p:extLst>
   </p:cSld>
@@ -8482,7 +8509,7 @@
         <p:cNvPr id="1" name="Shape 119">
           <a:extLst>
             <a:ext uri="{FF2B5EF4-FFF2-40B4-BE49-F238E27FC236}">
-              <a16:creationId xmlns:a16="http://schemas.microsoft.com/office/drawing/2014/main" xmlns="" id="{8677B6F9-AFEA-2D80-CA6C-3365F27381F4}"/>
+              <a16:creationId xmlns="" xmlns:a16="http://schemas.microsoft.com/office/drawing/2014/main" id="{8677B6F9-AFEA-2D80-CA6C-3365F27381F4}"/>
             </a:ext>
           </a:extLst>
         </p:cNvPr>
@@ -8502,7 +8529,7 @@
           <p:cNvPr id="120" name="Google Shape;120;p21">
             <a:extLst>
               <a:ext uri="{FF2B5EF4-FFF2-40B4-BE49-F238E27FC236}">
-                <a16:creationId xmlns:a16="http://schemas.microsoft.com/office/drawing/2014/main" xmlns="" id="{FE436197-A5AA-9BEA-D276-0B6332F13BB4}"/>
+                <a16:creationId xmlns="" xmlns:a16="http://schemas.microsoft.com/office/drawing/2014/main" id="{FE436197-A5AA-9BEA-D276-0B6332F13BB4}"/>
               </a:ext>
             </a:extLst>
           </p:cNvPr>
@@ -8550,7 +8577,7 @@
           <p:cNvPr id="122" name="Google Shape;122;p21">
             <a:extLst>
               <a:ext uri="{FF2B5EF4-FFF2-40B4-BE49-F238E27FC236}">
-                <a16:creationId xmlns:a16="http://schemas.microsoft.com/office/drawing/2014/main" xmlns="" id="{6E71977F-45B3-2901-960B-447C19CDF038}"/>
+                <a16:creationId xmlns="" xmlns:a16="http://schemas.microsoft.com/office/drawing/2014/main" id="{6E71977F-45B3-2901-960B-447C19CDF038}"/>
               </a:ext>
             </a:extLst>
           </p:cNvPr>
@@ -8584,7 +8611,7 @@
           <p:cNvPr id="2" name="TextBox 1">
             <a:extLst>
               <a:ext uri="{FF2B5EF4-FFF2-40B4-BE49-F238E27FC236}">
-                <a16:creationId xmlns:a16="http://schemas.microsoft.com/office/drawing/2014/main" xmlns="" id="{FC4E88EA-D5EB-7D1F-A0E0-22A14A9BB092}"/>
+                <a16:creationId xmlns="" xmlns:a16="http://schemas.microsoft.com/office/drawing/2014/main" id="{FC4E88EA-D5EB-7D1F-A0E0-22A14A9BB092}"/>
               </a:ext>
             </a:extLst>
           </p:cNvPr>
@@ -8621,7 +8648,7 @@
           <p:cNvPr id="7" name="TextBox 6">
             <a:extLst>
               <a:ext uri="{FF2B5EF4-FFF2-40B4-BE49-F238E27FC236}">
-                <a16:creationId xmlns:a16="http://schemas.microsoft.com/office/drawing/2014/main" xmlns="" id="{EB065F8A-F1D0-D18A-F6DC-EE68A1604A3D}"/>
+                <a16:creationId xmlns="" xmlns:a16="http://schemas.microsoft.com/office/drawing/2014/main" id="{EB065F8A-F1D0-D18A-F6DC-EE68A1604A3D}"/>
               </a:ext>
             </a:extLst>
           </p:cNvPr>
@@ -8709,7 +8736,7 @@
           <p:cNvPr id="11" name="TextBox 10">
             <a:extLst>
               <a:ext uri="{FF2B5EF4-FFF2-40B4-BE49-F238E27FC236}">
-                <a16:creationId xmlns:a16="http://schemas.microsoft.com/office/drawing/2014/main" xmlns="" id="{595392AA-6124-70D9-CC3F-573C05A6B183}"/>
+                <a16:creationId xmlns="" xmlns:a16="http://schemas.microsoft.com/office/drawing/2014/main" id="{595392AA-6124-70D9-CC3F-573C05A6B183}"/>
               </a:ext>
             </a:extLst>
           </p:cNvPr>
@@ -8873,7 +8900,7 @@
     </p:spTree>
     <p:extLst>
       <p:ext uri="{BB962C8B-B14F-4D97-AF65-F5344CB8AC3E}">
-        <p14:creationId xmlns:p14="http://schemas.microsoft.com/office/powerpoint/2010/main" xmlns="" val="2498018428"/>
+        <p14:creationId xmlns="" xmlns:p14="http://schemas.microsoft.com/office/powerpoint/2010/main" val="2498018428"/>
       </p:ext>
     </p:extLst>
   </p:cSld>
@@ -9569,7 +9596,7 @@
           <p:cNvPr id="2" name="TextBox 1">
             <a:extLst>
               <a:ext uri="{FF2B5EF4-FFF2-40B4-BE49-F238E27FC236}">
-                <a16:creationId xmlns:a16="http://schemas.microsoft.com/office/drawing/2014/main" xmlns="" id="{A28D948D-369C-B702-98D8-76BFF8794D17}"/>
+                <a16:creationId xmlns="" xmlns:a16="http://schemas.microsoft.com/office/drawing/2014/main" id="{A28D948D-369C-B702-98D8-76BFF8794D17}"/>
               </a:ext>
             </a:extLst>
           </p:cNvPr>
@@ -9604,7 +9631,7 @@
     </p:spTree>
     <p:extLst>
       <p:ext uri="{BB962C8B-B14F-4D97-AF65-F5344CB8AC3E}">
-        <p14:creationId xmlns:p14="http://schemas.microsoft.com/office/powerpoint/2010/main" xmlns="" val="29422119"/>
+        <p14:creationId xmlns="" xmlns:p14="http://schemas.microsoft.com/office/powerpoint/2010/main" val="29422119"/>
       </p:ext>
     </p:extLst>
   </p:cSld>
@@ -10469,7 +10496,7 @@
           <p:cNvPr id="2" name="TextBox 1">
             <a:extLst>
               <a:ext uri="{FF2B5EF4-FFF2-40B4-BE49-F238E27FC236}">
-                <a16:creationId xmlns:a16="http://schemas.microsoft.com/office/drawing/2014/main" xmlns="" id="{2B5B94D8-63F6-7EAC-6461-2DB4B135596F}"/>
+                <a16:creationId xmlns="" xmlns:a16="http://schemas.microsoft.com/office/drawing/2014/main" id="{2B5B94D8-63F6-7EAC-6461-2DB4B135596F}"/>
               </a:ext>
             </a:extLst>
           </p:cNvPr>
@@ -11218,7 +11245,7 @@
           <p:cNvPr id="2" name="TextBox 1">
             <a:extLst>
               <a:ext uri="{FF2B5EF4-FFF2-40B4-BE49-F238E27FC236}">
-                <a16:creationId xmlns:a16="http://schemas.microsoft.com/office/drawing/2014/main" xmlns="" id="{893E68CA-DEF7-D32D-BFB6-7B402335F4C7}"/>
+                <a16:creationId xmlns="" xmlns:a16="http://schemas.microsoft.com/office/drawing/2014/main" id="{893E68CA-DEF7-D32D-BFB6-7B402335F4C7}"/>
               </a:ext>
             </a:extLst>
           </p:cNvPr>
@@ -12105,7 +12132,7 @@
           <p:cNvPr id="2" name="TextBox 1">
             <a:extLst>
               <a:ext uri="{FF2B5EF4-FFF2-40B4-BE49-F238E27FC236}">
-                <a16:creationId xmlns:a16="http://schemas.microsoft.com/office/drawing/2014/main" xmlns="" id="{6B62475D-5E0B-A5AC-3922-2970FC56A64D}"/>
+                <a16:creationId xmlns="" xmlns:a16="http://schemas.microsoft.com/office/drawing/2014/main" id="{6B62475D-5E0B-A5AC-3922-2970FC56A64D}"/>
               </a:ext>
             </a:extLst>
           </p:cNvPr>
@@ -13168,7 +13195,7 @@
           <p:cNvPr id="2" name="TextBox 1">
             <a:extLst>
               <a:ext uri="{FF2B5EF4-FFF2-40B4-BE49-F238E27FC236}">
-                <a16:creationId xmlns:a16="http://schemas.microsoft.com/office/drawing/2014/main" xmlns="" id="{723D9805-068E-FE7E-BC9A-0C410D68B73B}"/>
+                <a16:creationId xmlns="" xmlns:a16="http://schemas.microsoft.com/office/drawing/2014/main" id="{723D9805-068E-FE7E-BC9A-0C410D68B73B}"/>
               </a:ext>
             </a:extLst>
           </p:cNvPr>
@@ -14213,7 +14240,7 @@
           <p:cNvPr id="2" name="TextBox 1">
             <a:extLst>
               <a:ext uri="{FF2B5EF4-FFF2-40B4-BE49-F238E27FC236}">
-                <a16:creationId xmlns:a16="http://schemas.microsoft.com/office/drawing/2014/main" xmlns="" id="{A343E912-C721-1128-5F72-D9BB9BCF5CCA}"/>
+                <a16:creationId xmlns="" xmlns:a16="http://schemas.microsoft.com/office/drawing/2014/main" id="{A343E912-C721-1128-5F72-D9BB9BCF5CCA}"/>
               </a:ext>
             </a:extLst>
           </p:cNvPr>
@@ -14257,7 +14284,7 @@
           <a:blip r:embed="rId4">
             <a:extLst>
               <a:ext uri="{28A0092B-C50C-407E-A947-70E740481C1C}">
-                <a14:useLocalDpi xmlns:a14="http://schemas.microsoft.com/office/drawing/2010/main" xmlns="" val="0"/>
+                <a14:useLocalDpi xmlns="" xmlns:a14="http://schemas.microsoft.com/office/drawing/2010/main" val="0"/>
               </a:ext>
             </a:extLst>
           </a:blip>
@@ -14277,7 +14304,7 @@
           <a:noFill/>
           <a:extLst>
             <a:ext uri="{909E8E84-426E-40DD-AFC4-6F175D3DCCD1}">
-              <a14:hiddenFill xmlns:a14="http://schemas.microsoft.com/office/drawing/2010/main" xmlns="">
+              <a14:hiddenFill xmlns="" xmlns:a14="http://schemas.microsoft.com/office/drawing/2010/main">
                 <a:solidFill>
                   <a:srgbClr val="FFFFFF"/>
                 </a:solidFill>
@@ -14298,7 +14325,7 @@
           <a:blip r:embed="rId5">
             <a:extLst>
               <a:ext uri="{28A0092B-C50C-407E-A947-70E740481C1C}">
-                <a14:useLocalDpi xmlns:a14="http://schemas.microsoft.com/office/drawing/2010/main" xmlns="" val="0"/>
+                <a14:useLocalDpi xmlns="" xmlns:a14="http://schemas.microsoft.com/office/drawing/2010/main" val="0"/>
               </a:ext>
             </a:extLst>
           </a:blip>
@@ -14318,7 +14345,7 @@
           <a:noFill/>
           <a:extLst>
             <a:ext uri="{909E8E84-426E-40DD-AFC4-6F175D3DCCD1}">
-              <a14:hiddenFill xmlns:a14="http://schemas.microsoft.com/office/drawing/2010/main" xmlns="">
+              <a14:hiddenFill xmlns="" xmlns:a14="http://schemas.microsoft.com/office/drawing/2010/main">
                 <a:solidFill>
                   <a:srgbClr val="FFFFFF"/>
                 </a:solidFill>
@@ -14339,7 +14366,7 @@
           <a:blip r:embed="rId6">
             <a:extLst>
               <a:ext uri="{28A0092B-C50C-407E-A947-70E740481C1C}">
-                <a14:useLocalDpi xmlns:a14="http://schemas.microsoft.com/office/drawing/2010/main" xmlns="" val="0"/>
+                <a14:useLocalDpi xmlns="" xmlns:a14="http://schemas.microsoft.com/office/drawing/2010/main" val="0"/>
               </a:ext>
             </a:extLst>
           </a:blip>
@@ -14359,7 +14386,7 @@
           <a:noFill/>
           <a:extLst>
             <a:ext uri="{909E8E84-426E-40DD-AFC4-6F175D3DCCD1}">
-              <a14:hiddenFill xmlns:a14="http://schemas.microsoft.com/office/drawing/2010/main" xmlns="">
+              <a14:hiddenFill xmlns="" xmlns:a14="http://schemas.microsoft.com/office/drawing/2010/main">
                 <a:solidFill>
                   <a:srgbClr val="FFFFFF"/>
                 </a:solidFill>
@@ -14380,7 +14407,7 @@
           <a:blip r:embed="rId7">
             <a:extLst>
               <a:ext uri="{28A0092B-C50C-407E-A947-70E740481C1C}">
-                <a14:useLocalDpi xmlns:a14="http://schemas.microsoft.com/office/drawing/2010/main" xmlns="" val="0"/>
+                <a14:useLocalDpi xmlns="" xmlns:a14="http://schemas.microsoft.com/office/drawing/2010/main" val="0"/>
               </a:ext>
             </a:extLst>
           </a:blip>
@@ -14400,7 +14427,7 @@
           <a:noFill/>
           <a:extLst>
             <a:ext uri="{909E8E84-426E-40DD-AFC4-6F175D3DCCD1}">
-              <a14:hiddenFill xmlns:a14="http://schemas.microsoft.com/office/drawing/2010/main" xmlns="">
+              <a14:hiddenFill xmlns="" xmlns:a14="http://schemas.microsoft.com/office/drawing/2010/main">
                 <a:solidFill>
                   <a:srgbClr val="FFFFFF"/>
                 </a:solidFill>
@@ -14606,7 +14633,7 @@
           <p:cNvPr id="2" name="TextBox 1">
             <a:extLst>
               <a:ext uri="{FF2B5EF4-FFF2-40B4-BE49-F238E27FC236}">
-                <a16:creationId xmlns:a16="http://schemas.microsoft.com/office/drawing/2014/main" xmlns="" id="{12A55726-B906-08A2-C43F-1B00FCF5F354}"/>
+                <a16:creationId xmlns="" xmlns:a16="http://schemas.microsoft.com/office/drawing/2014/main" id="{12A55726-B906-08A2-C43F-1B00FCF5F354}"/>
               </a:ext>
             </a:extLst>
           </p:cNvPr>
@@ -15302,7 +15329,7 @@
           <p:cNvPr id="2" name="TextBox 1">
             <a:extLst>
               <a:ext uri="{FF2B5EF4-FFF2-40B4-BE49-F238E27FC236}">
-                <a16:creationId xmlns:a16="http://schemas.microsoft.com/office/drawing/2014/main" xmlns="" id="{1226AFC1-F793-030A-440F-FC50C3AEF715}"/>
+                <a16:creationId xmlns="" xmlns:a16="http://schemas.microsoft.com/office/drawing/2014/main" id="{1226AFC1-F793-030A-440F-FC50C3AEF715}"/>
               </a:ext>
             </a:extLst>
           </p:cNvPr>
@@ -16286,7 +16313,7 @@
           <p:cNvPr id="2" name="TextBox 1">
             <a:extLst>
               <a:ext uri="{FF2B5EF4-FFF2-40B4-BE49-F238E27FC236}">
-                <a16:creationId xmlns:a16="http://schemas.microsoft.com/office/drawing/2014/main" xmlns="" id="{1226AFC1-F793-030A-440F-FC50C3AEF715}"/>
+                <a16:creationId xmlns="" xmlns:a16="http://schemas.microsoft.com/office/drawing/2014/main" id="{1226AFC1-F793-030A-440F-FC50C3AEF715}"/>
               </a:ext>
             </a:extLst>
           </p:cNvPr>
@@ -16321,7 +16348,7 @@
     </p:spTree>
     <p:extLst>
       <p:ext uri="{BB962C8B-B14F-4D97-AF65-F5344CB8AC3E}">
-        <p14:creationId xmlns:p14="http://schemas.microsoft.com/office/powerpoint/2010/main" xmlns="" val="3891228539"/>
+        <p14:creationId xmlns="" xmlns:p14="http://schemas.microsoft.com/office/powerpoint/2010/main" val="3891228539"/>
       </p:ext>
     </p:extLst>
   </p:cSld>
@@ -17331,7 +17358,7 @@
           <p:cNvPr id="2" name="TextBox 1">
             <a:extLst>
               <a:ext uri="{FF2B5EF4-FFF2-40B4-BE49-F238E27FC236}">
-                <a16:creationId xmlns:a16="http://schemas.microsoft.com/office/drawing/2014/main" xmlns="" id="{E8624834-013E-7249-F488-C816A0DA9355}"/>
+                <a16:creationId xmlns="" xmlns:a16="http://schemas.microsoft.com/office/drawing/2014/main" id="{E8624834-013E-7249-F488-C816A0DA9355}"/>
               </a:ext>
             </a:extLst>
           </p:cNvPr>
@@ -17651,7 +17678,7 @@
   <a:extraClrSchemeLst/>
   <a:extLst>
     <a:ext uri="{05A4C25C-085E-4340-85A3-A5531E510DB2}">
-      <thm15:themeFamily xmlns:thm15="http://schemas.microsoft.com/office/thememl/2012/main" xmlns="" name="Шаблон презентації кваліфікаційної роботи магістрів" id="{72E840FA-3155-46C9-BB37-701E4C9B1C67}" vid="{DC416FE5-D050-4603-AD75-8F49A0CCCB6A}"/>
+      <thm15:themeFamily xmlns="" xmlns:thm15="http://schemas.microsoft.com/office/thememl/2012/main" name="Шаблон презентації кваліфікаційної роботи магістрів" id="{72E840FA-3155-46C9-BB37-701E4C9B1C67}" vid="{DC416FE5-D050-4603-AD75-8F49A0CCCB6A}"/>
     </a:ext>
   </a:extLst>
 </a:theme>
